--- a/Inventory application presentation.pptx
+++ b/Inventory application presentation.pptx
@@ -126,6 +126,7 @@
 <file path=ppt/revisionInfo.xml><?xml version="1.0" encoding="utf-8"?>
 <p1510:revInfo xmlns:a="http://schemas.openxmlformats.org/drawingml/2006/main" xmlns:r="http://schemas.openxmlformats.org/officeDocument/2006/relationships" xmlns:p1510="http://schemas.microsoft.com/office/powerpoint/2015/10/main">
   <p1510:revLst>
+    <p1510:client id="{7A29BAB0-1A5B-4515-B988-9BDEE375CCCA}" v="15" dt="2020-05-22T06:56:24.231"/>
     <p1510:client id="{AC1B8510-DACB-42D3-B037-507EA703DE19}" v="459" dt="2020-04-29T20:13:13.595"/>
     <p1510:client id="{B1D8D380-90B9-44D7-B462-34D6A57904D3}" v="2161" dt="2020-05-21T23:45:58.132"/>
     <p1510:client id="{E0415FEE-DA91-4789-8F2D-C0B866F98819}" v="14" dt="2020-05-21T23:47:50.975"/>
@@ -1956,6 +1957,46 @@
             <ac:spMk id="43" creationId="{3629484E-3792-4B3D-89AD-7C8A1ED0E0D4}"/>
           </ac:spMkLst>
         </pc:spChg>
+      </pc:sldChg>
+    </pc:docChg>
+  </pc:docChgLst>
+  <pc:docChgLst>
+    <pc:chgData name="Melissa Potts" userId="0a90a1d6630f47e4" providerId="Windows Live" clId="Web-{7A29BAB0-1A5B-4515-B988-9BDEE375CCCA}"/>
+    <pc:docChg chg="modSld">
+      <pc:chgData name="Melissa Potts" userId="0a90a1d6630f47e4" providerId="Windows Live" clId="Web-{7A29BAB0-1A5B-4515-B988-9BDEE375CCCA}" dt="2020-05-22T06:56:24.231" v="13" actId="20577"/>
+      <pc:docMkLst>
+        <pc:docMk/>
+      </pc:docMkLst>
+      <pc:sldChg chg="addSp modSp">
+        <pc:chgData name="Melissa Potts" userId="0a90a1d6630f47e4" providerId="Windows Live" clId="Web-{7A29BAB0-1A5B-4515-B988-9BDEE375CCCA}" dt="2020-05-22T06:56:14.777" v="11" actId="20577"/>
+        <pc:sldMkLst>
+          <pc:docMk/>
+          <pc:sldMk cId="3054200879" sldId="262"/>
+        </pc:sldMkLst>
+        <pc:spChg chg="mod">
+          <ac:chgData name="Melissa Potts" userId="0a90a1d6630f47e4" providerId="Windows Live" clId="Web-{7A29BAB0-1A5B-4515-B988-9BDEE375CCCA}" dt="2020-05-22T06:56:14.777" v="11" actId="20577"/>
+          <ac:spMkLst>
+            <pc:docMk/>
+            <pc:sldMk cId="3054200879" sldId="262"/>
+            <ac:spMk id="5" creationId="{C0196F74-C274-41C3-A3C2-2B1BA9BCEA82}"/>
+          </ac:spMkLst>
+        </pc:spChg>
+        <pc:picChg chg="add mod">
+          <ac:chgData name="Melissa Potts" userId="0a90a1d6630f47e4" providerId="Windows Live" clId="Web-{7A29BAB0-1A5B-4515-B988-9BDEE375CCCA}" dt="2020-05-22T06:55:22.743" v="4" actId="1076"/>
+          <ac:picMkLst>
+            <pc:docMk/>
+            <pc:sldMk cId="3054200879" sldId="262"/>
+            <ac:picMk id="3" creationId="{C300671D-77E5-4A58-9213-48C7A2B80173}"/>
+          </ac:picMkLst>
+        </pc:picChg>
+        <pc:picChg chg="mod">
+          <ac:chgData name="Melissa Potts" userId="0a90a1d6630f47e4" providerId="Windows Live" clId="Web-{7A29BAB0-1A5B-4515-B988-9BDEE375CCCA}" dt="2020-05-22T06:55:49.854" v="10" actId="1076"/>
+          <ac:picMkLst>
+            <pc:docMk/>
+            <pc:sldMk cId="3054200879" sldId="262"/>
+            <ac:picMk id="4" creationId="{6023F2FE-7EA7-4214-B78A-213E7EFBC19F}"/>
+          </ac:picMkLst>
+        </pc:picChg>
       </pc:sldChg>
     </pc:docChg>
   </pc:docChgLst>
@@ -10871,8 +10912,8 @@
         </p:blipFill>
         <p:spPr>
           <a:xfrm>
-            <a:off x="5811640" y="1271883"/>
-            <a:ext cx="4992038" cy="4393982"/>
+            <a:off x="6761530" y="321992"/>
+            <a:ext cx="4616258" cy="4059955"/>
           </a:xfrm>
         </p:spPr>
       </p:pic>
@@ -11158,7 +11199,7 @@
         </p:nvSpPr>
         <p:spPr>
           <a:xfrm>
-            <a:off x="1016620" y="2131741"/>
+            <a:off x="1308894" y="1463686"/>
             <a:ext cx="4666784" cy="2585323"/>
           </a:xfrm>
           <a:prstGeom prst="rect">
@@ -11180,12 +11221,8 @@
               <a:buChar char="•"/>
             </a:pPr>
             <a:r>
-              <a:rPr lang="en-US" dirty="0"/>
-              <a:t>I used to GitHub to upload </a:t>
-            </a:r>
-            <a:r>
               <a:rPr lang="en-US"/>
-              <a:t>versions of my code to keep track of my progress. </a:t>
+              <a:t>I used GitHub to upload versions of my code to keep track of my progress. </a:t>
             </a:r>
           </a:p>
           <a:p>
@@ -11250,6 +11287,36 @@
           </a:p>
         </p:txBody>
       </p:sp>
+      <p:pic>
+        <p:nvPicPr>
+          <p:cNvPr id="3" name="Picture 5" descr="A screenshot of a cell phone&#10;&#10;Description generated with very high confidence">
+            <a:extLst>
+              <a:ext uri="{FF2B5EF4-FFF2-40B4-BE49-F238E27FC236}">
+                <a16:creationId xmlns:a16="http://schemas.microsoft.com/office/drawing/2014/main" id="{C300671D-77E5-4A58-9213-48C7A2B80173}"/>
+              </a:ext>
+            </a:extLst>
+          </p:cNvPr>
+          <p:cNvPicPr>
+            <a:picLocks noChangeAspect="1"/>
+          </p:cNvPicPr>
+          <p:nvPr/>
+        </p:nvPicPr>
+        <p:blipFill>
+          <a:blip r:embed="rId3"/>
+          <a:stretch>
+            <a:fillRect/>
+          </a:stretch>
+        </p:blipFill>
+        <p:spPr>
+          <a:xfrm>
+            <a:off x="2292263" y="4415837"/>
+            <a:ext cx="7711858" cy="2201669"/>
+          </a:xfrm>
+          <a:prstGeom prst="rect">
+            <a:avLst/>
+          </a:prstGeom>
+        </p:spPr>
+      </p:pic>
     </p:spTree>
     <p:extLst>
       <p:ext uri="{BB962C8B-B14F-4D97-AF65-F5344CB8AC3E}">
